--- a/Adobe PPT/STL-InternInceptionTemplate-2016.pptx
+++ b/Adobe PPT/STL-InternInceptionTemplate-2016.pptx
@@ -240,7 +240,7 @@
             <a:fld id="{5D2EE567-80D6-42C6-844A-F0F6714FC972}" type="datetimeFigureOut">
               <a:rPr lang="en-US" smtClean="0"/>
               <a:pPr/>
-              <a:t>6/6/16</a:t>
+              <a:t>2/18/18</a:t>
             </a:fld>
             <a:endParaRPr lang="en-US"/>
           </a:p>
@@ -407,7 +407,7 @@
             <a:fld id="{A2A3B128-E09D-491C-B840-DB8C264A8EFA}" type="datetimeFigureOut">
               <a:rPr lang="en-US" smtClean="0"/>
               <a:pPr/>
-              <a:t>6/6/16</a:t>
+              <a:t>2/18/18</a:t>
             </a:fld>
             <a:endParaRPr lang="en-US"/>
           </a:p>
@@ -473,38 +473,37 @@
           <a:p>
             <a:pPr lvl="0"/>
             <a:r>
-              <a:rPr lang="en-US" smtClean="0"/>
+              <a:rPr lang="en-US"/>
               <a:t>Click to edit Master text styles</a:t>
             </a:r>
           </a:p>
           <a:p>
             <a:pPr lvl="1"/>
             <a:r>
-              <a:rPr lang="en-US" smtClean="0"/>
+              <a:rPr lang="en-US"/>
               <a:t>Second level</a:t>
             </a:r>
           </a:p>
           <a:p>
             <a:pPr lvl="2"/>
             <a:r>
-              <a:rPr lang="en-US" smtClean="0"/>
+              <a:rPr lang="en-US"/>
               <a:t>Third level</a:t>
             </a:r>
           </a:p>
           <a:p>
             <a:pPr lvl="3"/>
             <a:r>
-              <a:rPr lang="en-US" smtClean="0"/>
+              <a:rPr lang="en-US"/>
               <a:t>Fourth level</a:t>
             </a:r>
           </a:p>
           <a:p>
             <a:pPr lvl="4"/>
             <a:r>
-              <a:rPr lang="en-US" smtClean="0"/>
+              <a:rPr lang="en-US"/>
               <a:t>Fifth level</a:t>
             </a:r>
-            <a:endParaRPr lang="en-US"/>
           </a:p>
         </p:txBody>
       </p:sp>
@@ -809,7 +808,7 @@
           </a:bodyPr>
           <a:lstStyle/>
           <a:p>
-            <a:endParaRPr lang="en-US" sz="900" baseline="0" dirty="0" smtClean="0"/>
+            <a:endParaRPr lang="en-US" sz="900" baseline="0" dirty="0"/>
           </a:p>
         </p:txBody>
       </p:sp>
@@ -896,7 +895,7 @@
           </a:bodyPr>
           <a:lstStyle/>
           <a:p>
-            <a:endParaRPr lang="en-US" sz="900" baseline="0" dirty="0" smtClean="0"/>
+            <a:endParaRPr lang="en-US" sz="900" baseline="0" dirty="0"/>
           </a:p>
         </p:txBody>
       </p:sp>
@@ -983,7 +982,7 @@
           </a:bodyPr>
           <a:lstStyle/>
           <a:p>
-            <a:endParaRPr lang="en-US" sz="900" baseline="0" dirty="0" smtClean="0"/>
+            <a:endParaRPr lang="en-US" sz="900" baseline="0" dirty="0"/>
           </a:p>
         </p:txBody>
       </p:sp>
@@ -1234,10 +1233,9 @@
           </a:lstStyle>
           <a:p>
             <a:r>
-              <a:rPr lang="en-US" dirty="0" smtClean="0"/>
+              <a:rPr lang="en-US" dirty="0"/>
               <a:t>Click to edit Master title style</a:t>
             </a:r>
-            <a:endParaRPr lang="en-US" dirty="0"/>
           </a:p>
         </p:txBody>
       </p:sp>
@@ -1353,10 +1351,9 @@
           </a:lstStyle>
           <a:p>
             <a:r>
-              <a:rPr lang="en-US" dirty="0" smtClean="0"/>
+              <a:rPr lang="en-US" dirty="0"/>
               <a:t>Click to edit Master subtitle style</a:t>
             </a:r>
-            <a:endParaRPr lang="en-US" dirty="0"/>
           </a:p>
         </p:txBody>
       </p:sp>
@@ -1400,13 +1397,6 @@
   <p:clrMapOvr>
     <a:masterClrMapping/>
   </p:clrMapOvr>
-  <p:timing>
-    <p:tnLst>
-      <p:par>
-        <p:cTn id="1" dur="indefinite" restart="never" nodeType="tmRoot"/>
-      </p:par>
-    </p:tnLst>
-  </p:timing>
 </p:sldLayout>
 </file>
 
@@ -1540,10 +1530,9 @@
           </a:lstStyle>
           <a:p>
             <a:r>
-              <a:rPr lang="en-US" dirty="0" smtClean="0"/>
+              <a:rPr lang="en-US" dirty="0"/>
               <a:t>Click to edit Master title style</a:t>
             </a:r>
-            <a:endParaRPr lang="en-US" dirty="0"/>
           </a:p>
         </p:txBody>
       </p:sp>
@@ -1662,10 +1651,9 @@
           </a:lstStyle>
           <a:p>
             <a:r>
-              <a:rPr lang="en-US" dirty="0" smtClean="0"/>
+              <a:rPr lang="en-US" dirty="0"/>
               <a:t>Click to edit Master subtitle style</a:t>
             </a:r>
-            <a:endParaRPr lang="en-US" dirty="0"/>
           </a:p>
         </p:txBody>
       </p:sp>
@@ -1691,7 +1679,7 @@
                 </a:solidFill>
               </a:rPr>
               <a:pPr/>
-              <a:t>6/6/16</a:t>
+              <a:t>2/18/18</a:t>
             </a:fld>
             <a:endParaRPr lang="en-US" dirty="0">
               <a:solidFill>
@@ -1796,23 +1784,7 @@
                   <a:srgbClr val="FFFFFF"/>
                 </a:solidFill>
               </a:rPr>
-              <a:t>© </a:t>
-            </a:r>
-            <a:r>
-              <a:rPr lang="en-US" sz="700" dirty="0" smtClean="0">
-                <a:solidFill>
-                  <a:srgbClr val="FFFFFF"/>
-                </a:solidFill>
-              </a:rPr>
-              <a:t>2016 </a:t>
-            </a:r>
-            <a:r>
-              <a:rPr lang="en-US" sz="700" dirty="0">
-                <a:solidFill>
-                  <a:srgbClr val="FFFFFF"/>
-                </a:solidFill>
-              </a:rPr>
-              <a:t>Adobe Systems Incorporated.  All Rights Reserved.  Adobe Confidential.</a:t>
+              <a:t>© 2016 Adobe Systems Incorporated.  All Rights Reserved.  Adobe Confidential.</a:t>
             </a:r>
           </a:p>
         </p:txBody>
@@ -1857,21 +1829,6 @@
   <p:clrMapOvr>
     <a:masterClrMapping/>
   </p:clrMapOvr>
-  <mc:AlternateContent xmlns:mc="http://schemas.openxmlformats.org/markup-compatibility/2006" xmlns:p14="http://schemas.microsoft.com/office/powerpoint/2010/main">
-    <mc:Choice Requires="p14">
-      <p:transition p14:dur="0"/>
-    </mc:Choice>
-    <mc:Fallback xmlns="">
-      <p:transition xmlns:p14="http://schemas.microsoft.com/office/powerpoint/2010/main"/>
-    </mc:Fallback>
-  </mc:AlternateContent>
-  <p:timing>
-    <p:tnLst>
-      <p:par>
-        <p:cTn id="1" dur="indefinite" restart="never" nodeType="tmRoot"/>
-      </p:par>
-    </p:tnLst>
-  </p:timing>
 </p:sldLayout>
 </file>
 
@@ -2024,10 +1981,9 @@
           <a:lstStyle/>
           <a:p>
             <a:r>
-              <a:rPr lang="en-US" smtClean="0"/>
+              <a:rPr lang="en-US"/>
               <a:t>Footer Text</a:t>
             </a:r>
-            <a:endParaRPr lang="en-US"/>
           </a:p>
         </p:txBody>
       </p:sp>
@@ -2171,10 +2127,9 @@
           </a:lstStyle>
           <a:p>
             <a:r>
-              <a:rPr lang="en-US" dirty="0" smtClean="0"/>
+              <a:rPr lang="en-US" dirty="0"/>
               <a:t>Click to edit Master title style</a:t>
             </a:r>
-            <a:endParaRPr lang="en-US" dirty="0"/>
           </a:p>
         </p:txBody>
       </p:sp>
@@ -2290,10 +2245,9 @@
           </a:lstStyle>
           <a:p>
             <a:r>
-              <a:rPr lang="en-US" dirty="0" smtClean="0"/>
+              <a:rPr lang="en-US" dirty="0"/>
               <a:t>Click to edit Master subtitle style</a:t>
             </a:r>
-            <a:endParaRPr lang="en-US" dirty="0"/>
           </a:p>
         </p:txBody>
       </p:sp>
@@ -2339,13 +2293,6 @@
   <p:transition>
     <p:fade/>
   </p:transition>
-  <p:timing>
-    <p:tnLst>
-      <p:par>
-        <p:cTn id="1" dur="indefinite" restart="never" nodeType="tmRoot"/>
-      </p:par>
-    </p:tnLst>
-  </p:timing>
 </p:sldLayout>
 </file>
 
@@ -2382,10 +2329,9 @@
           <a:lstStyle/>
           <a:p>
             <a:r>
-              <a:rPr lang="en-US" smtClean="0"/>
+              <a:rPr lang="en-US"/>
               <a:t>Click to edit Master title style</a:t>
             </a:r>
-            <a:endParaRPr lang="en-US"/>
           </a:p>
         </p:txBody>
       </p:sp>
@@ -2406,38 +2352,37 @@
           <a:p>
             <a:pPr lvl="0"/>
             <a:r>
-              <a:rPr lang="en-US" smtClean="0"/>
+              <a:rPr lang="en-US"/>
               <a:t>Click to edit Master text styles</a:t>
             </a:r>
           </a:p>
           <a:p>
             <a:pPr lvl="1"/>
             <a:r>
-              <a:rPr lang="en-US" smtClean="0"/>
+              <a:rPr lang="en-US"/>
               <a:t>Second level</a:t>
             </a:r>
           </a:p>
           <a:p>
             <a:pPr lvl="2"/>
             <a:r>
-              <a:rPr lang="en-US" smtClean="0"/>
+              <a:rPr lang="en-US"/>
               <a:t>Third level</a:t>
             </a:r>
           </a:p>
           <a:p>
             <a:pPr lvl="3"/>
             <a:r>
-              <a:rPr lang="en-US" smtClean="0"/>
+              <a:rPr lang="en-US"/>
               <a:t>Fourth level</a:t>
             </a:r>
           </a:p>
           <a:p>
             <a:pPr lvl="4"/>
             <a:r>
-              <a:rPr lang="en-US" smtClean="0"/>
+              <a:rPr lang="en-US"/>
               <a:t>Fifth level</a:t>
             </a:r>
-            <a:endParaRPr lang="en-US"/>
           </a:p>
         </p:txBody>
       </p:sp>
@@ -2459,7 +2404,7 @@
             <a:fld id="{B3B8D6CA-D4AF-4FDC-9641-A8569C957DEB}" type="datetime1">
               <a:rPr lang="en-US" smtClean="0"/>
               <a:pPr/>
-              <a:t>6/6/16</a:t>
+              <a:t>2/18/18</a:t>
             </a:fld>
             <a:endParaRPr lang="en-US" dirty="0"/>
           </a:p>
@@ -2514,13 +2459,6 @@
   <p:clrMapOvr>
     <a:masterClrMapping/>
   </p:clrMapOvr>
-  <p:timing>
-    <p:tnLst>
-      <p:par>
-        <p:cTn id="1" dur="indefinite" restart="never" nodeType="tmRoot"/>
-      </p:par>
-    </p:tnLst>
-  </p:timing>
 </p:sldLayout>
 </file>
 
@@ -2557,10 +2495,9 @@
           <a:lstStyle/>
           <a:p>
             <a:r>
-              <a:rPr lang="en-US" smtClean="0"/>
+              <a:rPr lang="en-US"/>
               <a:t>Click to edit Master title style</a:t>
             </a:r>
-            <a:endParaRPr lang="en-US"/>
           </a:p>
         </p:txBody>
       </p:sp>
@@ -2582,7 +2519,7 @@
             <a:fld id="{79050707-6B9C-41AD-8E71-8169BFD8CE9E}" type="datetime1">
               <a:rPr lang="en-US" smtClean="0"/>
               <a:pPr/>
-              <a:t>6/6/16</a:t>
+              <a:t>2/18/18</a:t>
             </a:fld>
             <a:endParaRPr lang="en-US" dirty="0"/>
           </a:p>
@@ -2637,13 +2574,6 @@
   <p:clrMapOvr>
     <a:masterClrMapping/>
   </p:clrMapOvr>
-  <p:timing>
-    <p:tnLst>
-      <p:par>
-        <p:cTn id="1" dur="indefinite" restart="never" nodeType="tmRoot"/>
-      </p:par>
-    </p:tnLst>
-  </p:timing>
 </p:sldLayout>
 </file>
 
@@ -2680,10 +2610,9 @@
           <a:lstStyle/>
           <a:p>
             <a:r>
-              <a:rPr lang="en-US" smtClean="0"/>
+              <a:rPr lang="en-US"/>
               <a:t>Click to edit Master title style</a:t>
             </a:r>
-            <a:endParaRPr lang="en-US"/>
           </a:p>
         </p:txBody>
       </p:sp>
@@ -2705,7 +2634,7 @@
             <a:fld id="{7B347668-7CB5-401B-A4E5-A798FE114AAD}" type="datetime1">
               <a:rPr lang="en-US" smtClean="0"/>
               <a:pPr/>
-              <a:t>6/6/16</a:t>
+              <a:t>2/18/18</a:t>
             </a:fld>
             <a:endParaRPr lang="en-US" dirty="0"/>
           </a:p>
@@ -2822,13 +2751,6 @@
   <p:clrMapOvr>
     <a:masterClrMapping/>
   </p:clrMapOvr>
-  <p:timing>
-    <p:tnLst>
-      <p:par>
-        <p:cTn id="1" dur="indefinite" restart="never" nodeType="tmRoot"/>
-      </p:par>
-    </p:tnLst>
-  </p:timing>
 </p:sldLayout>
 </file>
 
@@ -2865,10 +2787,9 @@
           <a:lstStyle/>
           <a:p>
             <a:r>
-              <a:rPr lang="en-US" smtClean="0"/>
+              <a:rPr lang="en-US"/>
               <a:t>Click to edit Master title style</a:t>
             </a:r>
-            <a:endParaRPr lang="en-US"/>
           </a:p>
         </p:txBody>
       </p:sp>
@@ -2890,7 +2811,7 @@
             <a:fld id="{576251BD-8A37-4A4F-BD66-CA6ADEC4144E}" type="datetime1">
               <a:rPr lang="en-US" smtClean="0"/>
               <a:pPr/>
-              <a:t>6/6/16</a:t>
+              <a:t>2/18/18</a:t>
             </a:fld>
             <a:endParaRPr lang="en-US" dirty="0"/>
           </a:p>
@@ -3007,13 +2928,6 @@
   <p:clrMapOvr>
     <a:masterClrMapping/>
   </p:clrMapOvr>
-  <p:timing>
-    <p:tnLst>
-      <p:par>
-        <p:cTn id="1" dur="indefinite" restart="never" nodeType="tmRoot"/>
-      </p:par>
-    </p:tnLst>
-  </p:timing>
 </p:sldLayout>
 </file>
 
@@ -3052,7 +2966,7 @@
             <a:fld id="{576251BD-8A37-4A4F-BD66-CA6ADEC4144E}" type="datetime1">
               <a:rPr lang="en-US" smtClean="0"/>
               <a:pPr/>
-              <a:t>6/6/16</a:t>
+              <a:t>2/18/18</a:t>
             </a:fld>
             <a:endParaRPr lang="en-US" dirty="0"/>
           </a:p>
@@ -3180,10 +3094,9 @@
           <a:lstStyle/>
           <a:p>
             <a:r>
-              <a:rPr lang="en-US" smtClean="0"/>
+              <a:rPr lang="en-US"/>
               <a:t>Click to edit Master title style</a:t>
             </a:r>
-            <a:endParaRPr lang="en-US"/>
           </a:p>
         </p:txBody>
       </p:sp>
@@ -3197,13 +3110,6 @@
   <p:clrMapOvr>
     <a:masterClrMapping/>
   </p:clrMapOvr>
-  <p:timing>
-    <p:tnLst>
-      <p:par>
-        <p:cTn id="1" dur="indefinite" restart="never" nodeType="tmRoot"/>
-      </p:par>
-    </p:tnLst>
-  </p:timing>
 </p:sldLayout>
 </file>
 
@@ -3326,13 +3232,6 @@
   <p:clrMapOvr>
     <a:masterClrMapping/>
   </p:clrMapOvr>
-  <p:timing>
-    <p:tnLst>
-      <p:par>
-        <p:cTn id="1" dur="indefinite" restart="never" nodeType="tmRoot"/>
-      </p:par>
-    </p:tnLst>
-  </p:timing>
 </p:sldLayout>
 </file>
 
@@ -3455,13 +3354,6 @@
   <p:clrMapOvr>
     <a:masterClrMapping/>
   </p:clrMapOvr>
-  <p:timing>
-    <p:tnLst>
-      <p:par>
-        <p:cTn id="1" dur="indefinite" restart="never" nodeType="tmRoot"/>
-      </p:par>
-    </p:tnLst>
-  </p:timing>
 </p:sldLayout>
 </file>
 
@@ -3661,7 +3553,7 @@
           <a:lstStyle/>
           <a:p>
             <a:r>
-              <a:rPr lang="en-US" sz="700" dirty="0" smtClean="0">
+              <a:rPr lang="en-US" sz="700" dirty="0">
                 <a:solidFill>
                   <a:srgbClr val="FFFFFF"/>
                 </a:solidFill>
@@ -3669,12 +3561,6 @@
               </a:rPr>
               <a:t>© 2015 Adobe Systems Incorporated.  All Rights Reserved.  Adobe Confidential.</a:t>
             </a:r>
-            <a:endParaRPr lang="en-US" sz="700" dirty="0">
-              <a:solidFill>
-                <a:srgbClr val="FFFFFF"/>
-              </a:solidFill>
-              <a:latin typeface="Adobe Clean" pitchFamily="-111" charset="0"/>
-            </a:endParaRPr>
           </a:p>
         </p:txBody>
       </p:sp>
@@ -3704,10 +3590,9 @@
           <a:lstStyle/>
           <a:p>
             <a:r>
-              <a:rPr lang="en-US" dirty="0" smtClean="0"/>
+              <a:rPr lang="en-US" dirty="0"/>
               <a:t>Click to edit Master title style</a:t>
             </a:r>
-            <a:endParaRPr lang="en-US" dirty="0"/>
           </a:p>
         </p:txBody>
       </p:sp>
@@ -3738,38 +3623,37 @@
           <a:p>
             <a:pPr lvl="0"/>
             <a:r>
-              <a:rPr lang="en-US" dirty="0" smtClean="0"/>
+              <a:rPr lang="en-US" dirty="0"/>
               <a:t>Click to edit Master text styles</a:t>
             </a:r>
           </a:p>
           <a:p>
             <a:pPr lvl="1"/>
             <a:r>
-              <a:rPr lang="en-US" dirty="0" smtClean="0"/>
+              <a:rPr lang="en-US" dirty="0"/>
               <a:t>Second level</a:t>
             </a:r>
           </a:p>
           <a:p>
             <a:pPr lvl="2"/>
             <a:r>
-              <a:rPr lang="en-US" dirty="0" smtClean="0"/>
+              <a:rPr lang="en-US" dirty="0"/>
               <a:t>Third level</a:t>
             </a:r>
           </a:p>
           <a:p>
             <a:pPr lvl="3"/>
             <a:r>
-              <a:rPr lang="en-US" dirty="0" smtClean="0"/>
+              <a:rPr lang="en-US" dirty="0"/>
               <a:t>Fourth level</a:t>
             </a:r>
           </a:p>
           <a:p>
             <a:pPr lvl="4"/>
             <a:r>
-              <a:rPr lang="en-US" dirty="0" smtClean="0"/>
+              <a:rPr lang="en-US" dirty="0"/>
               <a:t>Fifth level</a:t>
             </a:r>
-            <a:endParaRPr lang="en-US" dirty="0"/>
           </a:p>
         </p:txBody>
       </p:sp>
@@ -3807,7 +3691,7 @@
             <a:fld id="{3AB78257-7A7E-4BBC-BB44-767E213B120F}" type="datetime1">
               <a:rPr lang="en-US" smtClean="0"/>
               <a:pPr/>
-              <a:t>6/6/16</a:t>
+              <a:t>2/18/18</a:t>
             </a:fld>
             <a:endParaRPr lang="en-US" dirty="0"/>
           </a:p>
@@ -3904,13 +3788,6 @@
     <p:sldLayoutId id="2147483674" r:id="rId9"/>
     <p:sldLayoutId id="2147483676" r:id="rId10"/>
   </p:sldLayoutIdLst>
-  <p:timing>
-    <p:tnLst>
-      <p:par>
-        <p:cTn id="1" dur="indefinite" restart="never" nodeType="tmRoot"/>
-      </p:par>
-    </p:tnLst>
-  </p:timing>
   <p:hf hdr="0" ftr="0" dt="0"/>
   <p:txStyles>
     <p:titleStyle>
@@ -4228,15 +4105,7 @@
                   <a:schemeClr val="tx1"/>
                 </a:solidFill>
               </a:rPr>
-              <a:t>Title (Research Intern Project Inception Talk</a:t>
-            </a:r>
-            <a:r>
-              <a:rPr lang="en-US" sz="2400" dirty="0" smtClean="0">
-                <a:solidFill>
-                  <a:schemeClr val="tx1"/>
-                </a:solidFill>
-              </a:rPr>
-              <a:t>)</a:t>
+              <a:t>Generalized Latent Bandits (Research Intern Project Inception Talk)</a:t>
             </a:r>
           </a:p>
           <a:p>
@@ -4246,8 +4115,36 @@
               </a:spcBef>
             </a:pPr>
             <a:r>
-              <a:rPr lang="en-US" dirty="0" smtClean="0"/>
-              <a:t>Intern Name (Mentor Name)</a:t>
+              <a:rPr lang="en-US" dirty="0" err="1"/>
+              <a:t>Subhojyoti</a:t>
+            </a:r>
+            <a:r>
+              <a:rPr lang="en-US" dirty="0"/>
+              <a:t> Mukherjee (</a:t>
+            </a:r>
+            <a:r>
+              <a:rPr lang="en-US" dirty="0" err="1"/>
+              <a:t>Anup</a:t>
+            </a:r>
+            <a:r>
+              <a:rPr lang="en-US" dirty="0"/>
+              <a:t> Rao, </a:t>
+            </a:r>
+            <a:r>
+              <a:rPr lang="en-US" dirty="0" err="1"/>
+              <a:t>Branislav</a:t>
+            </a:r>
+            <a:r>
+              <a:rPr lang="en-US" dirty="0"/>
+              <a:t> </a:t>
+            </a:r>
+            <a:r>
+              <a:rPr lang="en-US" dirty="0" err="1"/>
+              <a:t>Kveton</a:t>
+            </a:r>
+            <a:r>
+              <a:rPr lang="en-US" dirty="0"/>
+              <a:t>)</a:t>
             </a:r>
           </a:p>
           <a:p>
@@ -4258,15 +4155,7 @@
             </a:pPr>
             <a:r>
               <a:rPr lang="en-US" dirty="0"/>
-              <a:t>Adobe Research (STL/BEL</a:t>
-            </a:r>
-            <a:r>
-              <a:rPr lang="en-US" dirty="0" smtClean="0"/>
-              <a:t>) </a:t>
-            </a:r>
-            <a:r>
-              <a:rPr lang="en-US" dirty="0"/>
-              <a:t>|  16-June-2016</a:t>
+              <a:t>Adobe Research (STL/BEL) |  01-March-2018</a:t>
             </a:r>
           </a:p>
         </p:txBody>
@@ -4313,14 +4202,6 @@
   <p:clrMapOvr>
     <a:masterClrMapping/>
   </p:clrMapOvr>
-  <mc:AlternateContent xmlns:mc="http://schemas.openxmlformats.org/markup-compatibility/2006" xmlns:p14="http://schemas.microsoft.com/office/powerpoint/2010/main">
-    <mc:Choice Requires="p14">
-      <p:transition p14:dur="0"/>
-    </mc:Choice>
-    <mc:Fallback xmlns="">
-      <p:transition xmlns:p14="http://schemas.microsoft.com/office/powerpoint/2010/main"/>
-    </mc:Fallback>
-  </mc:AlternateContent>
 </p:sld>
 </file>
 
@@ -4375,7 +4256,9 @@
         </p:nvSpPr>
         <p:spPr/>
         <p:txBody>
-          <a:bodyPr/>
+          <a:bodyPr>
+            <a:normAutofit fontScale="92500"/>
+          </a:bodyPr>
           <a:lstStyle/>
           <a:p>
             <a:pPr>
@@ -4384,60 +4267,38 @@
             </a:pPr>
             <a:r>
               <a:rPr lang="en-US" sz="2800" dirty="0"/>
-              <a:t>Current  : </a:t>
-            </a:r>
-            <a:r>
-              <a:rPr lang="en-US" sz="2800" dirty="0" smtClean="0"/>
-              <a:t>3rd </a:t>
-            </a:r>
-            <a:r>
-              <a:rPr lang="en-US" sz="2800" dirty="0"/>
-              <a:t>year Computer  Science </a:t>
-            </a:r>
-            <a:r>
-              <a:rPr lang="en-US" sz="2800" dirty="0" err="1"/>
-              <a:t>Ph.D</a:t>
-            </a:r>
-            <a:r>
-              <a:rPr lang="en-US" sz="2800" dirty="0"/>
-              <a:t> student </a:t>
-            </a:r>
-            <a:r>
-              <a:rPr lang="en-US" sz="2800" dirty="0" smtClean="0"/>
-              <a:t>at &lt; my university &gt;</a:t>
+              <a:t>Current  : 3rd year Computer  Science M.S student at Indian Institute of Technology Madras (submitted thesis)</a:t>
             </a:r>
             <a:endParaRPr lang="en-US" sz="2800" b="1" dirty="0"/>
           </a:p>
           <a:p>
             <a:pPr lvl="2"/>
             <a:r>
-              <a:rPr lang="en-US" sz="2400" dirty="0" smtClean="0"/>
-              <a:t>Research focus area(s): machine learning, security</a:t>
-            </a:r>
-            <a:r>
-              <a:rPr lang="en-US" sz="2400" dirty="0" smtClean="0"/>
-              <a:t>, recommendation </a:t>
-            </a:r>
-            <a:r>
-              <a:rPr lang="en-US" sz="2400" dirty="0" smtClean="0"/>
-              <a:t>systems, HCI</a:t>
+              <a:rPr lang="en-US" sz="2400" dirty="0"/>
+              <a:t>Research focus area(s): reinforcement learning, multi-armed bandits</a:t>
             </a:r>
           </a:p>
           <a:p>
             <a:pPr lvl="2"/>
             <a:r>
-              <a:rPr lang="en-US" sz="2400" dirty="0" smtClean="0"/>
-              <a:t>My contact outside Adobe - </a:t>
-            </a:r>
-            <a:r>
-              <a:rPr lang="en-US" sz="2400" dirty="0" smtClean="0">
+              <a:rPr lang="en-US" sz="2400" dirty="0"/>
+              <a:t>My contact outside Adobe – </a:t>
+            </a:r>
+            <a:r>
+              <a:rPr lang="en-US" sz="2400" dirty="0">
                 <a:hlinkClick r:id="rId3"/>
               </a:rPr>
-              <a:t>name@university.edu</a:t>
-            </a:r>
-            <a:r>
-              <a:rPr lang="en-US" sz="2400" dirty="0" smtClean="0"/>
-              <a:t> </a:t>
+              <a:t>subho@cse.iitm.ac.in</a:t>
+            </a:r>
+            <a:r>
+              <a:rPr lang="en-US" sz="2400" dirty="0"/>
+              <a:t>, </a:t>
+            </a:r>
+            <a:r>
+              <a:rPr lang="en-US" sz="2400" dirty="0">
+                <a:hlinkClick r:id="rId4"/>
+              </a:rPr>
+              <a:t>subhojyotimukherjee22@gmail.com </a:t>
             </a:r>
             <a:endParaRPr lang="en-US" sz="2400" dirty="0"/>
           </a:p>
@@ -4454,66 +4315,63 @@
             </a:pPr>
             <a:r>
               <a:rPr lang="en-US" sz="2800" dirty="0"/>
-              <a:t>Some interesting </a:t>
-            </a:r>
-            <a:r>
-              <a:rPr lang="en-US" sz="2800" dirty="0" smtClean="0"/>
-              <a:t>projects I’ve worked on</a:t>
-            </a:r>
-            <a:r>
-              <a:rPr lang="is-IS" sz="2800" dirty="0" smtClean="0"/>
-              <a:t>…</a:t>
-            </a:r>
-            <a:endParaRPr lang="en-US" sz="2800" dirty="0"/>
+              <a:t>I have worked on several areas in multi-armed bandits:-</a:t>
+            </a:r>
           </a:p>
           <a:p>
             <a:pPr lvl="2"/>
             <a:r>
-              <a:rPr lang="en-US" sz="2400" dirty="0" smtClean="0"/>
-              <a:t>Lightweight </a:t>
-            </a:r>
-            <a:r>
               <a:rPr lang="en-US" sz="2400" dirty="0"/>
-              <a:t>security primitive: </a:t>
-            </a:r>
-            <a:r>
-              <a:rPr lang="en-US" sz="2400" dirty="0" smtClean="0"/>
-              <a:t>PUFs</a:t>
-            </a:r>
-            <a:endParaRPr lang="en-US" sz="2400" dirty="0"/>
+              <a:t>Thresholding bandits with Augmented UCB (accepted at IJCAI 2017)</a:t>
+            </a:r>
           </a:p>
           <a:p>
             <a:pPr lvl="2"/>
             <a:r>
-              <a:rPr lang="en-US" sz="2400" dirty="0" smtClean="0"/>
-              <a:t>Security </a:t>
-            </a:r>
-            <a:r>
               <a:rPr lang="en-US" sz="2400" dirty="0"/>
-              <a:t>on wireless medical devices</a:t>
+              <a:t>Efficient UCBV: An Almost Optimal Algorithm using Variance Estimates (accepted at AAAI 2018)</a:t>
             </a:r>
           </a:p>
           <a:p>
             <a:pPr lvl="2"/>
             <a:r>
-              <a:rPr lang="en-US" sz="2400" dirty="0" smtClean="0"/>
-              <a:t>Relevance </a:t>
-            </a:r>
-            <a:r>
               <a:rPr lang="en-US" sz="2400" dirty="0"/>
-              <a:t>of </a:t>
-            </a:r>
-            <a:r>
-              <a:rPr lang="en-US" sz="2400" dirty="0" smtClean="0"/>
-              <a:t>social data </a:t>
+              <a:t>Improved </a:t>
+            </a:r>
+            <a:r>
+              <a:rPr lang="en-US" sz="2400" dirty="0" err="1"/>
+              <a:t>Changepoint</a:t>
             </a:r>
             <a:r>
               <a:rPr lang="en-US" sz="2400" dirty="0"/>
-              <a:t>in </a:t>
-            </a:r>
-            <a:r>
-              <a:rPr lang="en-US" sz="2400" dirty="0" smtClean="0"/>
-              <a:t>recommendation</a:t>
+              <a:t> Detection in Piecewise Stochastic Bandits (under review at ICML 2018). </a:t>
+            </a:r>
+          </a:p>
+          <a:p>
+            <a:pPr lvl="2"/>
+            <a:r>
+              <a:rPr lang="en-US" sz="2400" dirty="0"/>
+              <a:t>Internship at INRIA, </a:t>
+            </a:r>
+            <a:r>
+              <a:rPr lang="en-US" sz="2400" dirty="0" err="1"/>
+              <a:t>SequeL</a:t>
+            </a:r>
+            <a:r>
+              <a:rPr lang="en-US" sz="2400" dirty="0"/>
+              <a:t> Lab, Lille France under </a:t>
+            </a:r>
+            <a:r>
+              <a:rPr lang="en-US" sz="2400" dirty="0" err="1"/>
+              <a:t>Odalric</a:t>
+            </a:r>
+            <a:r>
+              <a:rPr lang="en-US" sz="2400" dirty="0"/>
+              <a:t>-Ambrym </a:t>
+            </a:r>
+            <a:r>
+              <a:rPr lang="en-US" sz="2400" dirty="0" err="1"/>
+              <a:t>Maillard</a:t>
             </a:r>
             <a:endParaRPr lang="en-US" sz="2400" dirty="0"/>
           </a:p>
@@ -4554,13 +4412,6 @@
   <p:clrMapOvr>
     <a:masterClrMapping/>
   </p:clrMapOvr>
-  <p:timing>
-    <p:tnLst>
-      <p:par>
-        <p:cTn id="1" dur="indefinite" restart="never" nodeType="tmRoot"/>
-      </p:par>
-    </p:tnLst>
-  </p:timing>
 </p:sld>
 </file>
 
@@ -4599,10 +4450,9 @@
           <a:lstStyle/>
           <a:p>
             <a:r>
-              <a:rPr lang="en-US" dirty="0" smtClean="0"/>
+              <a:rPr lang="en-US" dirty="0"/>
               <a:t>Problem Statement &amp; Use Cases</a:t>
             </a:r>
-            <a:endParaRPr lang="en-US" dirty="0"/>
           </a:p>
         </p:txBody>
       </p:sp>
@@ -4634,7 +4484,7 @@
               </a:spcBef>
             </a:pPr>
             <a:r>
-              <a:rPr lang="en-US" sz="2800" i="1" dirty="0" smtClean="0"/>
+              <a:rPr lang="en-US" sz="2800" i="1" dirty="0"/>
               <a:t>Problem Statement</a:t>
             </a:r>
           </a:p>
@@ -4645,10 +4495,9 @@
               </a:spcBef>
             </a:pPr>
             <a:r>
-              <a:rPr lang="en-US" sz="2400" i="1" dirty="0" smtClean="0"/>
+              <a:rPr lang="en-US" sz="2400" i="1" dirty="0"/>
               <a:t>Describe your problem area and how the state-of-the-art (or current product) isn’t doing something that it should &amp; how your research seeks to solve the problem better or for the first time.</a:t>
             </a:r>
-            <a:endParaRPr lang="en-US" sz="2400" i="1" dirty="0" smtClean="0"/>
           </a:p>
           <a:p>
             <a:pPr marL="463550" lvl="1" indent="-231775" defTabSz="914400">
@@ -4665,7 +4514,7 @@
               </a:spcBef>
             </a:pPr>
             <a:r>
-              <a:rPr lang="en-US" sz="2800" i="1" dirty="0" smtClean="0"/>
+              <a:rPr lang="en-US" sz="2800" i="1" dirty="0"/>
               <a:t>Use Cases (how your research results would be utilized):</a:t>
             </a:r>
           </a:p>
@@ -4676,12 +4525,8 @@
               </a:spcBef>
             </a:pPr>
             <a:r>
-              <a:rPr lang="en-US" sz="2400" i="1" dirty="0" smtClean="0"/>
-              <a:t>Example 1 (BU/Product alignment, </a:t>
-            </a:r>
-            <a:r>
-              <a:rPr lang="en-US" sz="2400" i="1" dirty="0" smtClean="0"/>
-              <a:t>New-Service / New-App / Optimization / Innovation)</a:t>
+              <a:rPr lang="en-US" sz="2400" i="1" dirty="0"/>
+              <a:t>Example 1 (BU/Product alignment, New-Service / New-App / Optimization / Innovation)</a:t>
             </a:r>
           </a:p>
           <a:p>
@@ -4692,19 +4537,7 @@
             </a:pPr>
             <a:r>
               <a:rPr lang="en-US" sz="2400" i="1" dirty="0"/>
-              <a:t>Example </a:t>
-            </a:r>
-            <a:r>
-              <a:rPr lang="en-US" sz="2400" i="1" dirty="0" smtClean="0"/>
-              <a:t>2 </a:t>
-            </a:r>
-            <a:r>
-              <a:rPr lang="en-US" sz="2400" i="1" dirty="0"/>
-              <a:t>(BU/Product alignment, New-Service / New-App / Optimization / </a:t>
-            </a:r>
-            <a:r>
-              <a:rPr lang="en-US" sz="2400" i="1" dirty="0" smtClean="0"/>
-              <a:t>Innovation)</a:t>
+              <a:t>Example 2 (BU/Product alignment, New-Service / New-App / Optimization / Innovation)</a:t>
             </a:r>
           </a:p>
           <a:p>
@@ -4714,12 +4547,8 @@
               </a:spcBef>
             </a:pPr>
             <a:r>
-              <a:rPr lang="en-US" sz="2400" i="1" dirty="0" smtClean="0"/>
-              <a:t>Example 3 </a:t>
-            </a:r>
-            <a:r>
               <a:rPr lang="en-US" sz="2400" i="1" dirty="0"/>
-              <a:t>(BU/Product alignment, New-Service / New-App / Optimization / Innovation)</a:t>
+              <a:t>Example 3 (BU/Product alignment, New-Service / New-App / Optimization / Innovation)</a:t>
             </a:r>
           </a:p>
           <a:p>
@@ -4770,21 +4599,6 @@
   <p:clrMapOvr>
     <a:masterClrMapping/>
   </p:clrMapOvr>
-  <mc:AlternateContent xmlns:mc="http://schemas.openxmlformats.org/markup-compatibility/2006" xmlns:p14="http://schemas.microsoft.com/office/powerpoint/2010/main">
-    <mc:Choice Requires="p14">
-      <p:transition spd="slow" p14:dur="2000"/>
-    </mc:Choice>
-    <mc:Fallback xmlns="">
-      <p:transition xmlns:p14="http://schemas.microsoft.com/office/powerpoint/2010/main" spd="slow"/>
-    </mc:Fallback>
-  </mc:AlternateContent>
-  <p:timing>
-    <p:tnLst>
-      <p:par>
-        <p:cTn id="1" dur="indefinite" restart="never" nodeType="tmRoot"/>
-      </p:par>
-    </p:tnLst>
-  </p:timing>
 </p:sld>
 </file>
 
@@ -4823,14 +4637,9 @@
           <a:lstStyle/>
           <a:p>
             <a:r>
-              <a:rPr lang="en-US" dirty="0" smtClean="0"/>
-              <a:t>This </a:t>
-            </a:r>
-            <a:r>
-              <a:rPr lang="en-US" dirty="0" smtClean="0"/>
-              <a:t>Summer’s Internship Goal</a:t>
-            </a:r>
-            <a:endParaRPr lang="en-US" dirty="0"/>
+              <a:rPr lang="en-US" dirty="0"/>
+              <a:t>This Summer’s Internship Goal</a:t>
+            </a:r>
           </a:p>
         </p:txBody>
       </p:sp>
@@ -4863,29 +4672,9 @@
             </a:pPr>
             <a:r>
               <a:rPr lang="en-US" sz="2800" i="1" dirty="0"/>
-              <a:t>B</a:t>
-            </a:r>
-            <a:r>
-              <a:rPr lang="en-US" sz="2800" i="1" dirty="0" smtClean="0"/>
-              <a:t>uild </a:t>
-            </a:r>
-            <a:r>
-              <a:rPr lang="en-US" sz="2800" i="1" dirty="0"/>
-              <a:t>a </a:t>
-            </a:r>
-            <a:r>
-              <a:rPr lang="en-US" sz="2800" i="1" dirty="0" smtClean="0"/>
-              <a:t>recommendation </a:t>
-            </a:r>
-            <a:r>
-              <a:rPr lang="en-US" sz="2800" i="1" dirty="0"/>
-              <a:t>service for </a:t>
-            </a:r>
-            <a:r>
-              <a:rPr lang="en-US" sz="2800" i="1" dirty="0" smtClean="0"/>
-              <a:t>Campaign</a:t>
-            </a:r>
-            <a:endParaRPr lang="en-US" sz="2800" dirty="0" smtClean="0"/>
+              <a:t>Build a recommendation service for Campaign</a:t>
+            </a:r>
+            <a:endParaRPr lang="en-US" sz="2800" dirty="0"/>
           </a:p>
           <a:p>
             <a:pPr marL="463550" lvl="1" indent="-231775" defTabSz="914400">
@@ -4894,10 +4683,9 @@
               </a:spcBef>
             </a:pPr>
             <a:r>
-              <a:rPr lang="en-US" sz="2400" dirty="0" smtClean="0"/>
+              <a:rPr lang="en-US" sz="2400" dirty="0"/>
               <a:t>Why is this an important problem to explore?  (Business Impact Opportunity)</a:t>
             </a:r>
-            <a:endParaRPr lang="en-US" sz="2400" dirty="0"/>
           </a:p>
           <a:p>
             <a:pPr marL="463550" lvl="1" indent="-231775" defTabSz="914400">
@@ -4928,10 +4716,9 @@
               </a:spcBef>
             </a:pPr>
             <a:r>
-              <a:rPr lang="en-US" sz="2400" dirty="0" smtClean="0"/>
+              <a:rPr lang="en-US" sz="2400" dirty="0"/>
               <a:t>Challenges - </a:t>
             </a:r>
-            <a:endParaRPr lang="en-US" sz="2400" dirty="0" smtClean="0"/>
           </a:p>
           <a:p>
             <a:pPr marL="463550" lvl="1" indent="-231775" defTabSz="914400">
@@ -4940,7 +4727,7 @@
               </a:spcBef>
             </a:pPr>
             <a:r>
-              <a:rPr lang="en-US" sz="2400" dirty="0" smtClean="0"/>
+              <a:rPr lang="en-US" sz="2400" dirty="0"/>
               <a:t>Experiments - </a:t>
             </a:r>
           </a:p>
@@ -5025,21 +4812,6 @@
   <p:clrMapOvr>
     <a:masterClrMapping/>
   </p:clrMapOvr>
-  <mc:AlternateContent xmlns:mc="http://schemas.openxmlformats.org/markup-compatibility/2006" xmlns:p14="http://schemas.microsoft.com/office/powerpoint/2010/main">
-    <mc:Choice Requires="p14">
-      <p:transition spd="slow" p14:dur="2000"/>
-    </mc:Choice>
-    <mc:Fallback xmlns="">
-      <p:transition xmlns:p14="http://schemas.microsoft.com/office/powerpoint/2010/main" spd="slow"/>
-    </mc:Fallback>
-  </mc:AlternateContent>
-  <p:timing>
-    <p:tnLst>
-      <p:par>
-        <p:cTn id="1" dur="indefinite" restart="never" nodeType="tmRoot"/>
-      </p:par>
-    </p:tnLst>
-  </p:timing>
 </p:sld>
 </file>
 
@@ -5078,10 +4850,9 @@
           <a:lstStyle/>
           <a:p>
             <a:r>
-              <a:rPr lang="en-US" dirty="0" smtClean="0"/>
+              <a:rPr lang="en-US" dirty="0"/>
               <a:t>Academic &amp; Industrial - Related Work</a:t>
             </a:r>
-            <a:endParaRPr lang="en-US" dirty="0"/>
           </a:p>
         </p:txBody>
       </p:sp>
@@ -5116,10 +4887,10 @@
               </a:buClr>
             </a:pPr>
             <a:r>
-              <a:rPr lang="en-US" sz="2800" dirty="0" smtClean="0"/>
+              <a:rPr lang="en-US" sz="2800" dirty="0"/>
               <a:t>Relevant academic publications</a:t>
             </a:r>
-            <a:endParaRPr lang="en-US" dirty="0" smtClean="0"/>
+            <a:endParaRPr lang="en-US" dirty="0"/>
           </a:p>
           <a:p>
             <a:pPr marL="463550" lvl="1" indent="-231775" defTabSz="914400">
@@ -5160,11 +4931,7 @@
             </a:pPr>
             <a:r>
               <a:rPr lang="en-US" dirty="0"/>
-              <a:t>Citation (link) / </a:t>
-            </a:r>
-            <a:r>
-              <a:rPr lang="en-US" dirty="0" smtClean="0"/>
-              <a:t>Relevance</a:t>
+              <a:t>Citation (link) / Relevance</a:t>
             </a:r>
           </a:p>
           <a:p>
@@ -5188,10 +4955,9 @@
               </a:buClr>
             </a:pPr>
             <a:r>
-              <a:rPr lang="en-US" sz="2800" dirty="0" smtClean="0"/>
+              <a:rPr lang="en-US" sz="2800" dirty="0"/>
               <a:t>Relevant industrial solutions/products</a:t>
             </a:r>
-            <a:endParaRPr lang="en-US" sz="2800" dirty="0"/>
           </a:p>
           <a:p>
             <a:pPr marL="463550" lvl="1" indent="-231775" defTabSz="914400">
@@ -5203,12 +4969,8 @@
               </a:buClr>
             </a:pPr>
             <a:r>
-              <a:rPr lang="en-US" dirty="0" smtClean="0"/>
-              <a:t>Company (link</a:t>
-            </a:r>
-            <a:r>
               <a:rPr lang="en-US" dirty="0"/>
-              <a:t>) / Relevance</a:t>
+              <a:t>Company (link) / Relevance</a:t>
             </a:r>
           </a:p>
           <a:p>
@@ -5287,21 +5049,6 @@
   <p:clrMapOvr>
     <a:masterClrMapping/>
   </p:clrMapOvr>
-  <mc:AlternateContent xmlns:mc="http://schemas.openxmlformats.org/markup-compatibility/2006" xmlns:p14="http://schemas.microsoft.com/office/powerpoint/2010/main">
-    <mc:Choice Requires="p14">
-      <p:transition spd="slow" p14:dur="2000"/>
-    </mc:Choice>
-    <mc:Fallback xmlns="">
-      <p:transition xmlns:p14="http://schemas.microsoft.com/office/powerpoint/2010/main" spd="slow"/>
-    </mc:Fallback>
-  </mc:AlternateContent>
-  <p:timing>
-    <p:tnLst>
-      <p:par>
-        <p:cTn id="1" dur="indefinite" restart="never" nodeType="tmRoot"/>
-      </p:par>
-    </p:tnLst>
-  </p:timing>
 </p:sld>
 </file>
 
@@ -5338,10 +5085,9 @@
           <a:lstStyle/>
           <a:p>
             <a:r>
-              <a:rPr lang="en-US" dirty="0" smtClean="0"/>
+              <a:rPr lang="en-US" dirty="0"/>
               <a:t>Timeline</a:t>
             </a:r>
-            <a:endParaRPr lang="en-US" dirty="0"/>
           </a:p>
         </p:txBody>
       </p:sp>
@@ -5371,7 +5117,7 @@
               </a:buClr>
             </a:pPr>
             <a:r>
-              <a:rPr lang="en-US" sz="2400" dirty="0" smtClean="0"/>
+              <a:rPr lang="en-US" sz="2400" dirty="0"/>
               <a:t>Week 1-3</a:t>
             </a:r>
           </a:p>
@@ -5385,7 +5131,7 @@
               </a:buClr>
             </a:pPr>
             <a:r>
-              <a:rPr lang="en-US" dirty="0" smtClean="0"/>
+              <a:rPr lang="en-US" dirty="0"/>
               <a:t>Define project</a:t>
             </a:r>
           </a:p>
@@ -5399,12 +5145,8 @@
               </a:buClr>
             </a:pPr>
             <a:r>
-              <a:rPr lang="en-US" dirty="0" smtClean="0"/>
-              <a:t>Set up and understand </a:t>
-            </a:r>
-            <a:r>
-              <a:rPr lang="en-US" dirty="0" smtClean="0"/>
-              <a:t>systems architecture &amp; get access to data</a:t>
+              <a:rPr lang="en-US" dirty="0"/>
+              <a:t>Set up and understand systems architecture &amp; get access to data</a:t>
             </a:r>
           </a:p>
           <a:p>
@@ -5417,10 +5159,9 @@
               </a:buClr>
             </a:pPr>
             <a:r>
-              <a:rPr lang="en-US" dirty="0" smtClean="0"/>
+              <a:rPr lang="en-US" dirty="0"/>
               <a:t>Present Inception Talk</a:t>
             </a:r>
-            <a:endParaRPr lang="en-US" dirty="0" smtClean="0"/>
           </a:p>
           <a:p>
             <a:pPr lvl="1">
@@ -5443,7 +5184,7 @@
               </a:buClr>
             </a:pPr>
             <a:r>
-              <a:rPr lang="en-US" sz="2400" dirty="0" smtClean="0"/>
+              <a:rPr lang="en-US" sz="2400" dirty="0"/>
               <a:t>Week 4-5</a:t>
             </a:r>
           </a:p>
@@ -5457,22 +5198,9 @@
               </a:buClr>
             </a:pPr>
             <a:r>
-              <a:rPr lang="en-US" dirty="0" smtClean="0"/>
-              <a:t>Integrate existing </a:t>
-            </a:r>
-            <a:r>
-              <a:rPr lang="en-US" dirty="0" smtClean="0"/>
-              <a:t>Target Recommendation framework </a:t>
-            </a:r>
-            <a:r>
-              <a:rPr lang="en-US" dirty="0" smtClean="0"/>
-              <a:t>with </a:t>
-            </a:r>
-            <a:r>
-              <a:rPr lang="en-US" dirty="0" smtClean="0"/>
-              <a:t>my prototype</a:t>
-            </a:r>
-            <a:endParaRPr lang="en-US" dirty="0" smtClean="0"/>
+              <a:rPr lang="en-US" dirty="0"/>
+              <a:t>Integrate existing Target Recommendation framework with my prototype</a:t>
+            </a:r>
           </a:p>
           <a:p>
             <a:pPr lvl="1">
@@ -5495,16 +5223,8 @@
               </a:buClr>
             </a:pPr>
             <a:r>
-              <a:rPr lang="en-US" sz="2400" dirty="0" smtClean="0"/>
-              <a:t>Week </a:t>
-            </a:r>
-            <a:r>
               <a:rPr lang="en-US" sz="2400" dirty="0"/>
-              <a:t>6</a:t>
-            </a:r>
-            <a:r>
-              <a:rPr lang="en-US" sz="2400" dirty="0" smtClean="0"/>
-              <a:t>-10</a:t>
+              <a:t>Week 6-10</a:t>
             </a:r>
           </a:p>
           <a:p>
@@ -5517,12 +5237,8 @@
               </a:buClr>
             </a:pPr>
             <a:r>
-              <a:rPr lang="en-US" dirty="0" smtClean="0"/>
-              <a:t>Develop customized </a:t>
-            </a:r>
-            <a:r>
-              <a:rPr lang="en-US" dirty="0" smtClean="0"/>
-              <a:t>algorithms</a:t>
+              <a:rPr lang="en-US" dirty="0"/>
+              <a:t>Develop customized algorithms</a:t>
             </a:r>
           </a:p>
           <a:p>
@@ -5535,10 +5251,9 @@
               </a:buClr>
             </a:pPr>
             <a:r>
-              <a:rPr lang="en-US" dirty="0" smtClean="0"/>
+              <a:rPr lang="en-US" dirty="0"/>
               <a:t>Run experiments to evaluate performance/accuracy/usefulness</a:t>
             </a:r>
-            <a:endParaRPr lang="en-US" dirty="0" smtClean="0"/>
           </a:p>
           <a:p>
             <a:pPr lvl="1">
@@ -5549,7 +5264,7 @@
                 <a:srgbClr val="0070C0"/>
               </a:buClr>
             </a:pPr>
-            <a:endParaRPr lang="en-US" dirty="0" smtClean="0"/>
+            <a:endParaRPr lang="en-US" dirty="0"/>
           </a:p>
           <a:p>
             <a:pPr>
@@ -5561,7 +5276,7 @@
               </a:buClr>
             </a:pPr>
             <a:r>
-              <a:rPr lang="en-US" sz="2400" dirty="0" smtClean="0"/>
+              <a:rPr lang="en-US" sz="2400" dirty="0"/>
               <a:t>Week 11-13</a:t>
             </a:r>
           </a:p>
@@ -5575,10 +5290,9 @@
               </a:buClr>
             </a:pPr>
             <a:r>
-              <a:rPr lang="en-US" dirty="0" smtClean="0"/>
+              <a:rPr lang="en-US" dirty="0"/>
               <a:t>Present demo to product team, file patent (ID), prepare paper for submission</a:t>
             </a:r>
-            <a:endParaRPr lang="en-US" dirty="0"/>
           </a:p>
           <a:p>
             <a:pPr lvl="2">
@@ -5625,13 +5339,6 @@
   <p:clrMapOvr>
     <a:masterClrMapping/>
   </p:clrMapOvr>
-  <p:timing>
-    <p:tnLst>
-      <p:par>
-        <p:cTn id="1" dur="indefinite" restart="never" nodeType="tmRoot"/>
-      </p:par>
-    </p:tnLst>
-  </p:timing>
 </p:sld>
 </file>
 
@@ -5662,13 +5369,6 @@
   <p:clrMapOvr>
     <a:masterClrMapping/>
   </p:clrMapOvr>
-  <p:timing>
-    <p:tnLst>
-      <p:par>
-        <p:cTn id="1" dur="indefinite" restart="never" nodeType="tmRoot"/>
-      </p:par>
-    </p:tnLst>
-  </p:timing>
 </p:sld>
 </file>
 
